--- a/ppt/4.1-Python magic method.pptx
+++ b/ppt/4.1-Python magic method.pptx
@@ -42,10 +42,10 @@
         <a:solidFill>
           <a:srgbClr val="000000"/>
         </a:solidFill>
-        <a:latin typeface="Arial" panose="02080604020202020204" charset="0"/>
-        <a:ea typeface="Arial" panose="02080604020202020204" charset="0"/>
-        <a:cs typeface="Arial" panose="02080604020202020204" charset="0"/>
-        <a:sym typeface="Arial" panose="02080604020202020204" charset="0"/>
+        <a:latin typeface="Arial" charset="0"/>
+        <a:ea typeface="Arial" charset="0"/>
+        <a:cs typeface="Arial" charset="0"/>
+        <a:sym typeface="Arial" charset="0"/>
       </a:defRPr>
     </a:lvl1pPr>
     <a:lvl2pPr marR="0" lvl="1" algn="l" rtl="0">
@@ -63,10 +63,10 @@
         <a:solidFill>
           <a:srgbClr val="000000"/>
         </a:solidFill>
-        <a:latin typeface="Arial" panose="02080604020202020204" charset="0"/>
-        <a:ea typeface="Arial" panose="02080604020202020204" charset="0"/>
-        <a:cs typeface="Arial" panose="02080604020202020204" charset="0"/>
-        <a:sym typeface="Arial" panose="02080604020202020204" charset="0"/>
+        <a:latin typeface="Arial" charset="0"/>
+        <a:ea typeface="Arial" charset="0"/>
+        <a:cs typeface="Arial" charset="0"/>
+        <a:sym typeface="Arial" charset="0"/>
       </a:defRPr>
     </a:lvl2pPr>
     <a:lvl3pPr marR="0" lvl="2" algn="l" rtl="0">
@@ -84,10 +84,10 @@
         <a:solidFill>
           <a:srgbClr val="000000"/>
         </a:solidFill>
-        <a:latin typeface="Arial" panose="02080604020202020204" charset="0"/>
-        <a:ea typeface="Arial" panose="02080604020202020204" charset="0"/>
-        <a:cs typeface="Arial" panose="02080604020202020204" charset="0"/>
-        <a:sym typeface="Arial" panose="02080604020202020204" charset="0"/>
+        <a:latin typeface="Arial" charset="0"/>
+        <a:ea typeface="Arial" charset="0"/>
+        <a:cs typeface="Arial" charset="0"/>
+        <a:sym typeface="Arial" charset="0"/>
       </a:defRPr>
     </a:lvl3pPr>
     <a:lvl4pPr marR="0" lvl="3" algn="l" rtl="0">
@@ -105,10 +105,10 @@
         <a:solidFill>
           <a:srgbClr val="000000"/>
         </a:solidFill>
-        <a:latin typeface="Arial" panose="02080604020202020204" charset="0"/>
-        <a:ea typeface="Arial" panose="02080604020202020204" charset="0"/>
-        <a:cs typeface="Arial" panose="02080604020202020204" charset="0"/>
-        <a:sym typeface="Arial" panose="02080604020202020204" charset="0"/>
+        <a:latin typeface="Arial" charset="0"/>
+        <a:ea typeface="Arial" charset="0"/>
+        <a:cs typeface="Arial" charset="0"/>
+        <a:sym typeface="Arial" charset="0"/>
       </a:defRPr>
     </a:lvl4pPr>
     <a:lvl5pPr marR="0" lvl="4" algn="l" rtl="0">
@@ -126,10 +126,10 @@
         <a:solidFill>
           <a:srgbClr val="000000"/>
         </a:solidFill>
-        <a:latin typeface="Arial" panose="02080604020202020204" charset="0"/>
-        <a:ea typeface="Arial" panose="02080604020202020204" charset="0"/>
-        <a:cs typeface="Arial" panose="02080604020202020204" charset="0"/>
-        <a:sym typeface="Arial" panose="02080604020202020204" charset="0"/>
+        <a:latin typeface="Arial" charset="0"/>
+        <a:ea typeface="Arial" charset="0"/>
+        <a:cs typeface="Arial" charset="0"/>
+        <a:sym typeface="Arial" charset="0"/>
       </a:defRPr>
     </a:lvl5pPr>
     <a:lvl6pPr marR="0" lvl="5" algn="l" rtl="0">
@@ -147,10 +147,10 @@
         <a:solidFill>
           <a:srgbClr val="000000"/>
         </a:solidFill>
-        <a:latin typeface="Arial" panose="02080604020202020204" charset="0"/>
-        <a:ea typeface="Arial" panose="02080604020202020204" charset="0"/>
-        <a:cs typeface="Arial" panose="02080604020202020204" charset="0"/>
-        <a:sym typeface="Arial" panose="02080604020202020204" charset="0"/>
+        <a:latin typeface="Arial" charset="0"/>
+        <a:ea typeface="Arial" charset="0"/>
+        <a:cs typeface="Arial" charset="0"/>
+        <a:sym typeface="Arial" charset="0"/>
       </a:defRPr>
     </a:lvl6pPr>
     <a:lvl7pPr marR="0" lvl="6" algn="l" rtl="0">
@@ -168,10 +168,10 @@
         <a:solidFill>
           <a:srgbClr val="000000"/>
         </a:solidFill>
-        <a:latin typeface="Arial" panose="02080604020202020204" charset="0"/>
-        <a:ea typeface="Arial" panose="02080604020202020204" charset="0"/>
-        <a:cs typeface="Arial" panose="02080604020202020204" charset="0"/>
-        <a:sym typeface="Arial" panose="02080604020202020204" charset="0"/>
+        <a:latin typeface="Arial" charset="0"/>
+        <a:ea typeface="Arial" charset="0"/>
+        <a:cs typeface="Arial" charset="0"/>
+        <a:sym typeface="Arial" charset="0"/>
       </a:defRPr>
     </a:lvl7pPr>
     <a:lvl8pPr marR="0" lvl="7" algn="l" rtl="0">
@@ -189,10 +189,10 @@
         <a:solidFill>
           <a:srgbClr val="000000"/>
         </a:solidFill>
-        <a:latin typeface="Arial" panose="02080604020202020204" charset="0"/>
-        <a:ea typeface="Arial" panose="02080604020202020204" charset="0"/>
-        <a:cs typeface="Arial" panose="02080604020202020204" charset="0"/>
-        <a:sym typeface="Arial" panose="02080604020202020204" charset="0"/>
+        <a:latin typeface="Arial" charset="0"/>
+        <a:ea typeface="Arial" charset="0"/>
+        <a:cs typeface="Arial" charset="0"/>
+        <a:sym typeface="Arial" charset="0"/>
       </a:defRPr>
     </a:lvl8pPr>
     <a:lvl9pPr marR="0" lvl="8" algn="l" rtl="0">
@@ -210,10 +210,10 @@
         <a:solidFill>
           <a:srgbClr val="000000"/>
         </a:solidFill>
-        <a:latin typeface="Arial" panose="02080604020202020204" charset="0"/>
-        <a:ea typeface="Arial" panose="02080604020202020204" charset="0"/>
-        <a:cs typeface="Arial" panose="02080604020202020204" charset="0"/>
-        <a:sym typeface="Arial" panose="02080604020202020204" charset="0"/>
+        <a:latin typeface="Arial" charset="0"/>
+        <a:ea typeface="Arial" charset="0"/>
+        <a:cs typeface="Arial" charset="0"/>
+        <a:sym typeface="Arial" charset="0"/>
       </a:defRPr>
     </a:lvl9pPr>
   </p:defaultTextStyle>
@@ -225,6 +225,7 @@
   <p:cSld>
     <p:bg>
       <p:bgPr>
+        <a:noFill/>
         <a:effectLst/>
       </p:bgPr>
     </p:bg>
@@ -467,6 +468,7 @@
               <a:rPr lang="en-GB"/>
               <a:t>大家好，这一节我们来介绍关于Python面向对象里面的高级内容，Python里的magic method</a:t>
             </a:r>
+            <a:endParaRPr lang="en-GB"/>
           </a:p>
         </p:txBody>
       </p:sp>
@@ -566,6 +568,7 @@
               <a:rPr lang="en-GB"/>
               <a:t>Magic method是有关Python面向对象的一整套方法，涉及到了对象的方方面面。从对象的建立，属性的访问，到对运算符的支持，对一些特殊语法的支持等等。利用Magic method，我们可以以极大的自由度来定制我们需要的类。</a:t>
             </a:r>
+            <a:endParaRPr lang="en-GB"/>
           </a:p>
         </p:txBody>
       </p:sp>
@@ -665,6 +668,7 @@
               <a:rPr lang="en-GB"/>
               <a:t>正如它的名字一样，Magic Method是用来给类添加魔法的。具体怎么添加这些魔法，我们接下来会介绍。</a:t>
             </a:r>
+            <a:endParaRPr lang="en-GB"/>
           </a:p>
         </p:txBody>
       </p:sp>
@@ -1057,6 +1061,7 @@
             <a:fld id="{00000000-1234-1234-1234-123412341234}" type="slidenum">
               <a:rPr lang="en-GB"/>
             </a:fld>
+            <a:endParaRPr lang="en-GB"/>
           </a:p>
         </p:txBody>
       </p:sp>
@@ -1282,6 +1287,7 @@
             <a:fld id="{00000000-1234-1234-1234-123412341234}" type="slidenum">
               <a:rPr lang="en-GB"/>
             </a:fld>
+            <a:endParaRPr lang="en-GB"/>
           </a:p>
         </p:txBody>
       </p:sp>
@@ -1342,6 +1348,7 @@
             <a:fld id="{00000000-1234-1234-1234-123412341234}" type="slidenum">
               <a:rPr lang="en-GB"/>
             </a:fld>
+            <a:endParaRPr lang="en-GB"/>
           </a:p>
         </p:txBody>
       </p:sp>
@@ -1489,6 +1496,7 @@
             <a:fld id="{00000000-1234-1234-1234-123412341234}" type="slidenum">
               <a:rPr lang="en-GB"/>
             </a:fld>
+            <a:endParaRPr lang="en-GB"/>
           </a:p>
         </p:txBody>
       </p:sp>
@@ -1705,6 +1713,7 @@
             <a:fld id="{00000000-1234-1234-1234-123412341234}" type="slidenum">
               <a:rPr lang="en-GB"/>
             </a:fld>
+            <a:endParaRPr lang="en-GB"/>
           </a:p>
         </p:txBody>
       </p:sp>
@@ -2017,6 +2026,7 @@
             <a:fld id="{00000000-1234-1234-1234-123412341234}" type="slidenum">
               <a:rPr lang="en-GB"/>
             </a:fld>
+            <a:endParaRPr lang="en-GB"/>
           </a:p>
         </p:txBody>
       </p:sp>
@@ -2155,6 +2165,7 @@
             <a:fld id="{00000000-1234-1234-1234-123412341234}" type="slidenum">
               <a:rPr lang="en-GB"/>
             </a:fld>
+            <a:endParaRPr lang="en-GB"/>
           </a:p>
         </p:txBody>
       </p:sp>
@@ -2389,6 +2400,7 @@
             <a:fld id="{00000000-1234-1234-1234-123412341234}" type="slidenum">
               <a:rPr lang="en-GB"/>
             </a:fld>
+            <a:endParaRPr lang="en-GB"/>
           </a:p>
         </p:txBody>
       </p:sp>
@@ -2536,6 +2548,7 @@
             <a:fld id="{00000000-1234-1234-1234-123412341234}" type="slidenum">
               <a:rPr lang="en-GB"/>
             </a:fld>
+            <a:endParaRPr lang="en-GB"/>
           </a:p>
         </p:txBody>
       </p:sp>
@@ -2947,6 +2960,7 @@
             <a:fld id="{00000000-1234-1234-1234-123412341234}" type="slidenum">
               <a:rPr lang="en-GB"/>
             </a:fld>
+            <a:endParaRPr lang="en-GB"/>
           </a:p>
         </p:txBody>
       </p:sp>
@@ -3044,6 +3058,7 @@
             <a:fld id="{00000000-1234-1234-1234-123412341234}" type="slidenum">
               <a:rPr lang="en-GB"/>
             </a:fld>
+            <a:endParaRPr lang="en-GB"/>
           </a:p>
         </p:txBody>
       </p:sp>
@@ -3483,6 +3498,11 @@
                 </a:solidFill>
               </a:rPr>
             </a:fld>
+            <a:endParaRPr lang="en-GB" sz="1000">
+              <a:solidFill>
+                <a:schemeClr val="dk2"/>
+              </a:solidFill>
+            </a:endParaRPr>
           </a:p>
         </p:txBody>
       </p:sp>
@@ -3531,10 +3551,10 @@
           <a:solidFill>
             <a:srgbClr val="000000"/>
           </a:solidFill>
-          <a:latin typeface="Arial" panose="02080604020202020204" charset="0"/>
-          <a:ea typeface="Arial" panose="02080604020202020204" charset="0"/>
-          <a:cs typeface="Arial" panose="02080604020202020204" charset="0"/>
-          <a:sym typeface="Arial" panose="02080604020202020204" charset="0"/>
+          <a:latin typeface="Arial" charset="0"/>
+          <a:ea typeface="Arial" charset="0"/>
+          <a:cs typeface="Arial" charset="0"/>
+          <a:sym typeface="Arial" charset="0"/>
         </a:defRPr>
       </a:lvl1pPr>
     </p:titleStyle>
@@ -3565,10 +3585,10 @@
           <a:solidFill>
             <a:srgbClr val="000000"/>
           </a:solidFill>
-          <a:latin typeface="Arial" panose="02080604020202020204" charset="0"/>
-          <a:ea typeface="Arial" panose="02080604020202020204" charset="0"/>
-          <a:cs typeface="Arial" panose="02080604020202020204" charset="0"/>
-          <a:sym typeface="Arial" panose="02080604020202020204" charset="0"/>
+          <a:latin typeface="Arial" charset="0"/>
+          <a:ea typeface="Arial" charset="0"/>
+          <a:cs typeface="Arial" charset="0"/>
+          <a:sym typeface="Arial" charset="0"/>
         </a:defRPr>
       </a:lvl1pPr>
       <a:lvl2pPr marR="0" lvl="1" algn="l" rtl="0">
@@ -3586,10 +3606,10 @@
           <a:solidFill>
             <a:srgbClr val="000000"/>
           </a:solidFill>
-          <a:latin typeface="Arial" panose="02080604020202020204" charset="0"/>
-          <a:ea typeface="Arial" panose="02080604020202020204" charset="0"/>
-          <a:cs typeface="Arial" panose="02080604020202020204" charset="0"/>
-          <a:sym typeface="Arial" panose="02080604020202020204" charset="0"/>
+          <a:latin typeface="Arial" charset="0"/>
+          <a:ea typeface="Arial" charset="0"/>
+          <a:cs typeface="Arial" charset="0"/>
+          <a:sym typeface="Arial" charset="0"/>
         </a:defRPr>
       </a:lvl2pPr>
       <a:lvl3pPr marR="0" lvl="2" algn="l" rtl="0">
@@ -3607,10 +3627,10 @@
           <a:solidFill>
             <a:srgbClr val="000000"/>
           </a:solidFill>
-          <a:latin typeface="Arial" panose="02080604020202020204" charset="0"/>
-          <a:ea typeface="Arial" panose="02080604020202020204" charset="0"/>
-          <a:cs typeface="Arial" panose="02080604020202020204" charset="0"/>
-          <a:sym typeface="Arial" panose="02080604020202020204" charset="0"/>
+          <a:latin typeface="Arial" charset="0"/>
+          <a:ea typeface="Arial" charset="0"/>
+          <a:cs typeface="Arial" charset="0"/>
+          <a:sym typeface="Arial" charset="0"/>
         </a:defRPr>
       </a:lvl3pPr>
       <a:lvl4pPr marR="0" lvl="3" algn="l" rtl="0">
@@ -3628,10 +3648,10 @@
           <a:solidFill>
             <a:srgbClr val="000000"/>
           </a:solidFill>
-          <a:latin typeface="Arial" panose="02080604020202020204" charset="0"/>
-          <a:ea typeface="Arial" panose="02080604020202020204" charset="0"/>
-          <a:cs typeface="Arial" panose="02080604020202020204" charset="0"/>
-          <a:sym typeface="Arial" panose="02080604020202020204" charset="0"/>
+          <a:latin typeface="Arial" charset="0"/>
+          <a:ea typeface="Arial" charset="0"/>
+          <a:cs typeface="Arial" charset="0"/>
+          <a:sym typeface="Arial" charset="0"/>
         </a:defRPr>
       </a:lvl4pPr>
       <a:lvl5pPr marR="0" lvl="4" algn="l" rtl="0">
@@ -3649,10 +3669,10 @@
           <a:solidFill>
             <a:srgbClr val="000000"/>
           </a:solidFill>
-          <a:latin typeface="Arial" panose="02080604020202020204" charset="0"/>
-          <a:ea typeface="Arial" panose="02080604020202020204" charset="0"/>
-          <a:cs typeface="Arial" panose="02080604020202020204" charset="0"/>
-          <a:sym typeface="Arial" panose="02080604020202020204" charset="0"/>
+          <a:latin typeface="Arial" charset="0"/>
+          <a:ea typeface="Arial" charset="0"/>
+          <a:cs typeface="Arial" charset="0"/>
+          <a:sym typeface="Arial" charset="0"/>
         </a:defRPr>
       </a:lvl5pPr>
       <a:lvl6pPr marR="0" lvl="5" algn="l" rtl="0">
@@ -3670,10 +3690,10 @@
           <a:solidFill>
             <a:srgbClr val="000000"/>
           </a:solidFill>
-          <a:latin typeface="Arial" panose="02080604020202020204" charset="0"/>
-          <a:ea typeface="Arial" panose="02080604020202020204" charset="0"/>
-          <a:cs typeface="Arial" panose="02080604020202020204" charset="0"/>
-          <a:sym typeface="Arial" panose="02080604020202020204" charset="0"/>
+          <a:latin typeface="Arial" charset="0"/>
+          <a:ea typeface="Arial" charset="0"/>
+          <a:cs typeface="Arial" charset="0"/>
+          <a:sym typeface="Arial" charset="0"/>
         </a:defRPr>
       </a:lvl6pPr>
       <a:lvl7pPr marR="0" lvl="6" algn="l" rtl="0">
@@ -3691,10 +3711,10 @@
           <a:solidFill>
             <a:srgbClr val="000000"/>
           </a:solidFill>
-          <a:latin typeface="Arial" panose="02080604020202020204" charset="0"/>
-          <a:ea typeface="Arial" panose="02080604020202020204" charset="0"/>
-          <a:cs typeface="Arial" panose="02080604020202020204" charset="0"/>
-          <a:sym typeface="Arial" panose="02080604020202020204" charset="0"/>
+          <a:latin typeface="Arial" charset="0"/>
+          <a:ea typeface="Arial" charset="0"/>
+          <a:cs typeface="Arial" charset="0"/>
+          <a:sym typeface="Arial" charset="0"/>
         </a:defRPr>
       </a:lvl7pPr>
       <a:lvl8pPr marR="0" lvl="7" algn="l" rtl="0">
@@ -3712,10 +3732,10 @@
           <a:solidFill>
             <a:srgbClr val="000000"/>
           </a:solidFill>
-          <a:latin typeface="Arial" panose="02080604020202020204" charset="0"/>
-          <a:ea typeface="Arial" panose="02080604020202020204" charset="0"/>
-          <a:cs typeface="Arial" panose="02080604020202020204" charset="0"/>
-          <a:sym typeface="Arial" panose="02080604020202020204" charset="0"/>
+          <a:latin typeface="Arial" charset="0"/>
+          <a:ea typeface="Arial" charset="0"/>
+          <a:cs typeface="Arial" charset="0"/>
+          <a:sym typeface="Arial" charset="0"/>
         </a:defRPr>
       </a:lvl8pPr>
       <a:lvl9pPr marR="0" lvl="8" algn="l" rtl="0">
@@ -3733,10 +3753,10 @@
           <a:solidFill>
             <a:srgbClr val="000000"/>
           </a:solidFill>
-          <a:latin typeface="Arial" panose="02080604020202020204" charset="0"/>
-          <a:ea typeface="Arial" panose="02080604020202020204" charset="0"/>
-          <a:cs typeface="Arial" panose="02080604020202020204" charset="0"/>
-          <a:sym typeface="Arial" panose="02080604020202020204" charset="0"/>
+          <a:latin typeface="Arial" charset="0"/>
+          <a:ea typeface="Arial" charset="0"/>
+          <a:cs typeface="Arial" charset="0"/>
+          <a:sym typeface="Arial" charset="0"/>
         </a:defRPr>
       </a:lvl9pPr>
     </p:bodyStyle>
@@ -3767,10 +3787,10 @@
           <a:solidFill>
             <a:srgbClr val="000000"/>
           </a:solidFill>
-          <a:latin typeface="Arial" panose="02080604020202020204" charset="0"/>
-          <a:ea typeface="Arial" panose="02080604020202020204" charset="0"/>
-          <a:cs typeface="Arial" panose="02080604020202020204" charset="0"/>
-          <a:sym typeface="Arial" panose="02080604020202020204" charset="0"/>
+          <a:latin typeface="Arial" charset="0"/>
+          <a:ea typeface="Arial" charset="0"/>
+          <a:cs typeface="Arial" charset="0"/>
+          <a:sym typeface="Arial" charset="0"/>
         </a:defRPr>
       </a:lvl1pPr>
       <a:lvl2pPr marR="0" lvl="1" algn="l" rtl="0">
@@ -3788,10 +3808,10 @@
           <a:solidFill>
             <a:srgbClr val="000000"/>
           </a:solidFill>
-          <a:latin typeface="Arial" panose="02080604020202020204" charset="0"/>
-          <a:ea typeface="Arial" panose="02080604020202020204" charset="0"/>
-          <a:cs typeface="Arial" panose="02080604020202020204" charset="0"/>
-          <a:sym typeface="Arial" panose="02080604020202020204" charset="0"/>
+          <a:latin typeface="Arial" charset="0"/>
+          <a:ea typeface="Arial" charset="0"/>
+          <a:cs typeface="Arial" charset="0"/>
+          <a:sym typeface="Arial" charset="0"/>
         </a:defRPr>
       </a:lvl2pPr>
       <a:lvl3pPr marR="0" lvl="2" algn="l" rtl="0">
@@ -3809,10 +3829,10 @@
           <a:solidFill>
             <a:srgbClr val="000000"/>
           </a:solidFill>
-          <a:latin typeface="Arial" panose="02080604020202020204" charset="0"/>
-          <a:ea typeface="Arial" panose="02080604020202020204" charset="0"/>
-          <a:cs typeface="Arial" panose="02080604020202020204" charset="0"/>
-          <a:sym typeface="Arial" panose="02080604020202020204" charset="0"/>
+          <a:latin typeface="Arial" charset="0"/>
+          <a:ea typeface="Arial" charset="0"/>
+          <a:cs typeface="Arial" charset="0"/>
+          <a:sym typeface="Arial" charset="0"/>
         </a:defRPr>
       </a:lvl3pPr>
       <a:lvl4pPr marR="0" lvl="3" algn="l" rtl="0">
@@ -3830,10 +3850,10 @@
           <a:solidFill>
             <a:srgbClr val="000000"/>
           </a:solidFill>
-          <a:latin typeface="Arial" panose="02080604020202020204" charset="0"/>
-          <a:ea typeface="Arial" panose="02080604020202020204" charset="0"/>
-          <a:cs typeface="Arial" panose="02080604020202020204" charset="0"/>
-          <a:sym typeface="Arial" panose="02080604020202020204" charset="0"/>
+          <a:latin typeface="Arial" charset="0"/>
+          <a:ea typeface="Arial" charset="0"/>
+          <a:cs typeface="Arial" charset="0"/>
+          <a:sym typeface="Arial" charset="0"/>
         </a:defRPr>
       </a:lvl4pPr>
       <a:lvl5pPr marR="0" lvl="4" algn="l" rtl="0">
@@ -3851,10 +3871,10 @@
           <a:solidFill>
             <a:srgbClr val="000000"/>
           </a:solidFill>
-          <a:latin typeface="Arial" panose="02080604020202020204" charset="0"/>
-          <a:ea typeface="Arial" panose="02080604020202020204" charset="0"/>
-          <a:cs typeface="Arial" panose="02080604020202020204" charset="0"/>
-          <a:sym typeface="Arial" panose="02080604020202020204" charset="0"/>
+          <a:latin typeface="Arial" charset="0"/>
+          <a:ea typeface="Arial" charset="0"/>
+          <a:cs typeface="Arial" charset="0"/>
+          <a:sym typeface="Arial" charset="0"/>
         </a:defRPr>
       </a:lvl5pPr>
       <a:lvl6pPr marR="0" lvl="5" algn="l" rtl="0">
@@ -3872,10 +3892,10 @@
           <a:solidFill>
             <a:srgbClr val="000000"/>
           </a:solidFill>
-          <a:latin typeface="Arial" panose="02080604020202020204" charset="0"/>
-          <a:ea typeface="Arial" panose="02080604020202020204" charset="0"/>
-          <a:cs typeface="Arial" panose="02080604020202020204" charset="0"/>
-          <a:sym typeface="Arial" panose="02080604020202020204" charset="0"/>
+          <a:latin typeface="Arial" charset="0"/>
+          <a:ea typeface="Arial" charset="0"/>
+          <a:cs typeface="Arial" charset="0"/>
+          <a:sym typeface="Arial" charset="0"/>
         </a:defRPr>
       </a:lvl6pPr>
       <a:lvl7pPr marR="0" lvl="6" algn="l" rtl="0">
@@ -3893,10 +3913,10 @@
           <a:solidFill>
             <a:srgbClr val="000000"/>
           </a:solidFill>
-          <a:latin typeface="Arial" panose="02080604020202020204" charset="0"/>
-          <a:ea typeface="Arial" panose="02080604020202020204" charset="0"/>
-          <a:cs typeface="Arial" panose="02080604020202020204" charset="0"/>
-          <a:sym typeface="Arial" panose="02080604020202020204" charset="0"/>
+          <a:latin typeface="Arial" charset="0"/>
+          <a:ea typeface="Arial" charset="0"/>
+          <a:cs typeface="Arial" charset="0"/>
+          <a:sym typeface="Arial" charset="0"/>
         </a:defRPr>
       </a:lvl7pPr>
       <a:lvl8pPr marR="0" lvl="7" algn="l" rtl="0">
@@ -3914,10 +3934,10 @@
           <a:solidFill>
             <a:srgbClr val="000000"/>
           </a:solidFill>
-          <a:latin typeface="Arial" panose="02080604020202020204" charset="0"/>
-          <a:ea typeface="Arial" panose="02080604020202020204" charset="0"/>
-          <a:cs typeface="Arial" panose="02080604020202020204" charset="0"/>
-          <a:sym typeface="Arial" panose="02080604020202020204" charset="0"/>
+          <a:latin typeface="Arial" charset="0"/>
+          <a:ea typeface="Arial" charset="0"/>
+          <a:cs typeface="Arial" charset="0"/>
+          <a:sym typeface="Arial" charset="0"/>
         </a:defRPr>
       </a:lvl8pPr>
       <a:lvl9pPr marR="0" lvl="8" algn="l" rtl="0">
@@ -3935,10 +3955,10 @@
           <a:solidFill>
             <a:srgbClr val="000000"/>
           </a:solidFill>
-          <a:latin typeface="Arial" panose="02080604020202020204" charset="0"/>
-          <a:ea typeface="Arial" panose="02080604020202020204" charset="0"/>
-          <a:cs typeface="Arial" panose="02080604020202020204" charset="0"/>
-          <a:sym typeface="Arial" panose="02080604020202020204" charset="0"/>
+          <a:latin typeface="Arial" charset="0"/>
+          <a:ea typeface="Arial" charset="0"/>
+          <a:cs typeface="Arial" charset="0"/>
+          <a:sym typeface="Arial" charset="0"/>
         </a:defRPr>
       </a:lvl9pPr>
     </p:otherStyle>
@@ -4002,6 +4022,13 @@
               </a:rPr>
               <a:t>Python Magic Method</a:t>
             </a:r>
+            <a:endParaRPr lang="en-GB" sz="3000" b="1" dirty="0" err="1">
+              <a:solidFill>
+                <a:srgbClr val="C9394A"/>
+              </a:solidFill>
+              <a:latin typeface="微软雅黑" charset="0"/>
+              <a:ea typeface="微软雅黑" charset="0"/>
+            </a:endParaRPr>
           </a:p>
         </p:txBody>
       </p:sp>
@@ -4104,6 +4131,13 @@
               </a:rPr>
               <a:t>Magic Method是什么</a:t>
             </a:r>
+            <a:endParaRPr lang="en-GB" sz="3000" b="1" dirty="0" err="1">
+              <a:solidFill>
+                <a:srgbClr val="C9394A"/>
+              </a:solidFill>
+              <a:latin typeface="微软雅黑" charset="0"/>
+              <a:ea typeface="微软雅黑" charset="0"/>
+            </a:endParaRPr>
           </a:p>
         </p:txBody>
       </p:sp>
@@ -4174,6 +4208,13 @@
               </a:rPr>
               <a:t>Magic Method的作用</a:t>
             </a:r>
+            <a:endParaRPr lang="en-GB" sz="2200" b="1" dirty="0" err="1">
+              <a:solidFill>
+                <a:srgbClr val="C9394A"/>
+              </a:solidFill>
+              <a:latin typeface="微软雅黑" charset="0"/>
+              <a:ea typeface="微软雅黑" charset="0"/>
+            </a:endParaRPr>
           </a:p>
         </p:txBody>
       </p:sp>
@@ -4353,6 +4394,13 @@
               </a:rPr>
               <a:t>Magic Method长什么样</a:t>
             </a:r>
+            <a:endParaRPr lang="en-GB" sz="2200" b="1" dirty="0" err="1">
+              <a:solidFill>
+                <a:srgbClr val="C9394A"/>
+              </a:solidFill>
+              <a:latin typeface="微软雅黑" charset="0"/>
+              <a:ea typeface="微软雅黑" charset="0"/>
+            </a:endParaRPr>
           </a:p>
         </p:txBody>
       </p:sp>
@@ -4400,6 +4448,7 @@
               <a:rPr lang="en-GB"/>
               <a:t>def __init__(self):</a:t>
             </a:r>
+            <a:endParaRPr lang="en-GB"/>
           </a:p>
         </p:txBody>
       </p:sp>
